--- a/ppt 16-9/1023.我知道我的救主.pptx
+++ b/ppt 16-9/1023.我知道我的救主.pptx
@@ -5,7 +5,7 @@
     <p:sldMasterId id="2147483648" r:id="rId1"/>
   </p:sldMasterIdLst>
   <p:sldIdLst>
-    <p:sldId id="447" r:id="rId2"/>
+    <p:sldId id="448" r:id="rId2"/>
   </p:sldIdLst>
   <p:sldSz cx="12192000" cy="6858000"/>
   <p:notesSz cx="6858000" cy="9144000"/>
@@ -129,7 +129,7 @@
           <p:cNvPr id="2" name="标题 1">
             <a:extLst>
               <a:ext uri="{FF2B5EF4-FFF2-40B4-BE49-F238E27FC236}">
-                <a16:creationId xmlns:a16="http://schemas.microsoft.com/office/drawing/2014/main" id="{57D66A14-B0E7-78C7-3CA0-CC1D1B0EE844}"/>
+                <a16:creationId xmlns:a16="http://schemas.microsoft.com/office/drawing/2014/main" id="{4B53DAB1-10B7-9CE3-6307-CF59A1C7E02C}"/>
               </a:ext>
             </a:extLst>
           </p:cNvPr>
@@ -166,7 +166,7 @@
           <p:cNvPr id="3" name="副标题 2">
             <a:extLst>
               <a:ext uri="{FF2B5EF4-FFF2-40B4-BE49-F238E27FC236}">
-                <a16:creationId xmlns:a16="http://schemas.microsoft.com/office/drawing/2014/main" id="{7F9BBB2A-F3B7-A195-D7D7-450F7D63DCB7}"/>
+                <a16:creationId xmlns:a16="http://schemas.microsoft.com/office/drawing/2014/main" id="{0D342176-B15C-12C9-527D-28C0F8CE3996}"/>
               </a:ext>
             </a:extLst>
           </p:cNvPr>
@@ -236,7 +236,7 @@
           <p:cNvPr id="4" name="日期占位符 3">
             <a:extLst>
               <a:ext uri="{FF2B5EF4-FFF2-40B4-BE49-F238E27FC236}">
-                <a16:creationId xmlns:a16="http://schemas.microsoft.com/office/drawing/2014/main" id="{45C609C5-E59F-FF8E-79B8-589E8063DB85}"/>
+                <a16:creationId xmlns:a16="http://schemas.microsoft.com/office/drawing/2014/main" id="{76F9E4C5-6DEF-27C8-409C-60245FFFD208}"/>
               </a:ext>
             </a:extLst>
           </p:cNvPr>
@@ -252,7 +252,7 @@
           <a:bodyPr/>
           <a:lstStyle/>
           <a:p>
-            <a:fld id="{1CE7D615-85F5-429B-8577-999235A7B6A7}" type="datetimeFigureOut">
+            <a:fld id="{9787D52B-CC3A-4924-A647-BDECEF1A379F}" type="datetimeFigureOut">
               <a:rPr lang="zh-CN" altLang="en-US" smtClean="0"/>
               <a:t>2024/3/10</a:t>
             </a:fld>
@@ -265,7 +265,7 @@
           <p:cNvPr id="5" name="页脚占位符 4">
             <a:extLst>
               <a:ext uri="{FF2B5EF4-FFF2-40B4-BE49-F238E27FC236}">
-                <a16:creationId xmlns:a16="http://schemas.microsoft.com/office/drawing/2014/main" id="{3B306DB0-8483-ECED-D324-3C089F88066C}"/>
+                <a16:creationId xmlns:a16="http://schemas.microsoft.com/office/drawing/2014/main" id="{F9845BC4-CB3D-C537-591A-D2B01CBEAEE2}"/>
               </a:ext>
             </a:extLst>
           </p:cNvPr>
@@ -290,7 +290,7 @@
           <p:cNvPr id="6" name="灯片编号占位符 5">
             <a:extLst>
               <a:ext uri="{FF2B5EF4-FFF2-40B4-BE49-F238E27FC236}">
-                <a16:creationId xmlns:a16="http://schemas.microsoft.com/office/drawing/2014/main" id="{6D9F84BF-B1FD-A836-6959-000288C7F191}"/>
+                <a16:creationId xmlns:a16="http://schemas.microsoft.com/office/drawing/2014/main" id="{1F4793A5-0089-E621-A95A-3C488B259677}"/>
               </a:ext>
             </a:extLst>
           </p:cNvPr>
@@ -306,7 +306,7 @@
           <a:bodyPr/>
           <a:lstStyle/>
           <a:p>
-            <a:fld id="{F9244783-C41D-4671-A229-B0BD6A045E06}" type="slidenum">
+            <a:fld id="{FC503628-06C6-4F9A-8215-C2676873903A}" type="slidenum">
               <a:rPr lang="zh-CN" altLang="en-US" smtClean="0"/>
               <a:t>‹#›</a:t>
             </a:fld>
@@ -317,7 +317,7 @@
     </p:spTree>
     <p:extLst>
       <p:ext uri="{BB962C8B-B14F-4D97-AF65-F5344CB8AC3E}">
-        <p14:creationId xmlns:p14="http://schemas.microsoft.com/office/powerpoint/2010/main" val="1078044421"/>
+        <p14:creationId xmlns:p14="http://schemas.microsoft.com/office/powerpoint/2010/main" val="4042282645"/>
       </p:ext>
     </p:extLst>
   </p:cSld>
@@ -349,7 +349,7 @@
           <p:cNvPr id="2" name="标题 1">
             <a:extLst>
               <a:ext uri="{FF2B5EF4-FFF2-40B4-BE49-F238E27FC236}">
-                <a16:creationId xmlns:a16="http://schemas.microsoft.com/office/drawing/2014/main" id="{83439935-3F70-438B-1714-344FC06CA64B}"/>
+                <a16:creationId xmlns:a16="http://schemas.microsoft.com/office/drawing/2014/main" id="{25C6B734-35E6-34BC-457C-150558A8997C}"/>
               </a:ext>
             </a:extLst>
           </p:cNvPr>
@@ -377,7 +377,7 @@
           <p:cNvPr id="3" name="竖排文字占位符 2">
             <a:extLst>
               <a:ext uri="{FF2B5EF4-FFF2-40B4-BE49-F238E27FC236}">
-                <a16:creationId xmlns:a16="http://schemas.microsoft.com/office/drawing/2014/main" id="{BF29B2BC-A134-063E-48B8-FD841CDFC590}"/>
+                <a16:creationId xmlns:a16="http://schemas.microsoft.com/office/drawing/2014/main" id="{0E356D58-6D7E-52D6-2BDE-324214AA6711}"/>
               </a:ext>
             </a:extLst>
           </p:cNvPr>
@@ -434,7 +434,7 @@
           <p:cNvPr id="4" name="日期占位符 3">
             <a:extLst>
               <a:ext uri="{FF2B5EF4-FFF2-40B4-BE49-F238E27FC236}">
-                <a16:creationId xmlns:a16="http://schemas.microsoft.com/office/drawing/2014/main" id="{59554237-2AF9-FBEE-1161-F9C5EFB47CD2}"/>
+                <a16:creationId xmlns:a16="http://schemas.microsoft.com/office/drawing/2014/main" id="{641F5ED9-F66C-30C7-4290-4B03C13959C6}"/>
               </a:ext>
             </a:extLst>
           </p:cNvPr>
@@ -450,7 +450,7 @@
           <a:bodyPr/>
           <a:lstStyle/>
           <a:p>
-            <a:fld id="{1CE7D615-85F5-429B-8577-999235A7B6A7}" type="datetimeFigureOut">
+            <a:fld id="{9787D52B-CC3A-4924-A647-BDECEF1A379F}" type="datetimeFigureOut">
               <a:rPr lang="zh-CN" altLang="en-US" smtClean="0"/>
               <a:t>2024/3/10</a:t>
             </a:fld>
@@ -463,7 +463,7 @@
           <p:cNvPr id="5" name="页脚占位符 4">
             <a:extLst>
               <a:ext uri="{FF2B5EF4-FFF2-40B4-BE49-F238E27FC236}">
-                <a16:creationId xmlns:a16="http://schemas.microsoft.com/office/drawing/2014/main" id="{5E61BDCF-47F7-FB01-2847-433AABED2C1B}"/>
+                <a16:creationId xmlns:a16="http://schemas.microsoft.com/office/drawing/2014/main" id="{AF40E48B-737A-EEC7-A67B-51593C79D236}"/>
               </a:ext>
             </a:extLst>
           </p:cNvPr>
@@ -488,7 +488,7 @@
           <p:cNvPr id="6" name="灯片编号占位符 5">
             <a:extLst>
               <a:ext uri="{FF2B5EF4-FFF2-40B4-BE49-F238E27FC236}">
-                <a16:creationId xmlns:a16="http://schemas.microsoft.com/office/drawing/2014/main" id="{6A4C5477-24FE-5C7A-2F60-09A90BE2C66D}"/>
+                <a16:creationId xmlns:a16="http://schemas.microsoft.com/office/drawing/2014/main" id="{7AB7F7F3-D215-DC1E-F040-C4E9E2237F39}"/>
               </a:ext>
             </a:extLst>
           </p:cNvPr>
@@ -504,7 +504,7 @@
           <a:bodyPr/>
           <a:lstStyle/>
           <a:p>
-            <a:fld id="{F9244783-C41D-4671-A229-B0BD6A045E06}" type="slidenum">
+            <a:fld id="{FC503628-06C6-4F9A-8215-C2676873903A}" type="slidenum">
               <a:rPr lang="zh-CN" altLang="en-US" smtClean="0"/>
               <a:t>‹#›</a:t>
             </a:fld>
@@ -515,7 +515,7 @@
     </p:spTree>
     <p:extLst>
       <p:ext uri="{BB962C8B-B14F-4D97-AF65-F5344CB8AC3E}">
-        <p14:creationId xmlns:p14="http://schemas.microsoft.com/office/powerpoint/2010/main" val="3266789876"/>
+        <p14:creationId xmlns:p14="http://schemas.microsoft.com/office/powerpoint/2010/main" val="4175878266"/>
       </p:ext>
     </p:extLst>
   </p:cSld>
@@ -547,7 +547,7 @@
           <p:cNvPr id="2" name="竖排标题 1">
             <a:extLst>
               <a:ext uri="{FF2B5EF4-FFF2-40B4-BE49-F238E27FC236}">
-                <a16:creationId xmlns:a16="http://schemas.microsoft.com/office/drawing/2014/main" id="{F6086CA1-C23F-5D72-046E-AA9B8E4400CB}"/>
+                <a16:creationId xmlns:a16="http://schemas.microsoft.com/office/drawing/2014/main" id="{5DF67D5B-6B59-9EE7-F148-3889C686D567}"/>
               </a:ext>
             </a:extLst>
           </p:cNvPr>
@@ -580,7 +580,7 @@
           <p:cNvPr id="3" name="竖排文字占位符 2">
             <a:extLst>
               <a:ext uri="{FF2B5EF4-FFF2-40B4-BE49-F238E27FC236}">
-                <a16:creationId xmlns:a16="http://schemas.microsoft.com/office/drawing/2014/main" id="{9B68B21A-807C-4132-1771-2B48A223A718}"/>
+                <a16:creationId xmlns:a16="http://schemas.microsoft.com/office/drawing/2014/main" id="{0581CC24-F354-9E4C-212D-973B4BD75FD2}"/>
               </a:ext>
             </a:extLst>
           </p:cNvPr>
@@ -642,7 +642,7 @@
           <p:cNvPr id="4" name="日期占位符 3">
             <a:extLst>
               <a:ext uri="{FF2B5EF4-FFF2-40B4-BE49-F238E27FC236}">
-                <a16:creationId xmlns:a16="http://schemas.microsoft.com/office/drawing/2014/main" id="{038147F3-50E3-9D6C-CCBB-6F0BCE09534E}"/>
+                <a16:creationId xmlns:a16="http://schemas.microsoft.com/office/drawing/2014/main" id="{6B8DA2BB-946F-2281-73B2-67D0A9D8EB5D}"/>
               </a:ext>
             </a:extLst>
           </p:cNvPr>
@@ -658,7 +658,7 @@
           <a:bodyPr/>
           <a:lstStyle/>
           <a:p>
-            <a:fld id="{1CE7D615-85F5-429B-8577-999235A7B6A7}" type="datetimeFigureOut">
+            <a:fld id="{9787D52B-CC3A-4924-A647-BDECEF1A379F}" type="datetimeFigureOut">
               <a:rPr lang="zh-CN" altLang="en-US" smtClean="0"/>
               <a:t>2024/3/10</a:t>
             </a:fld>
@@ -671,7 +671,7 @@
           <p:cNvPr id="5" name="页脚占位符 4">
             <a:extLst>
               <a:ext uri="{FF2B5EF4-FFF2-40B4-BE49-F238E27FC236}">
-                <a16:creationId xmlns:a16="http://schemas.microsoft.com/office/drawing/2014/main" id="{FEA2C312-A010-F8D1-E7A3-6CBC03DD6C3A}"/>
+                <a16:creationId xmlns:a16="http://schemas.microsoft.com/office/drawing/2014/main" id="{82657E01-862D-F070-1451-0775D4B66B1D}"/>
               </a:ext>
             </a:extLst>
           </p:cNvPr>
@@ -696,7 +696,7 @@
           <p:cNvPr id="6" name="灯片编号占位符 5">
             <a:extLst>
               <a:ext uri="{FF2B5EF4-FFF2-40B4-BE49-F238E27FC236}">
-                <a16:creationId xmlns:a16="http://schemas.microsoft.com/office/drawing/2014/main" id="{A73A28A0-AB01-303A-76D3-820F0286B3DF}"/>
+                <a16:creationId xmlns:a16="http://schemas.microsoft.com/office/drawing/2014/main" id="{8904B55F-7856-F890-C895-1B8EC6ED1488}"/>
               </a:ext>
             </a:extLst>
           </p:cNvPr>
@@ -712,7 +712,7 @@
           <a:bodyPr/>
           <a:lstStyle/>
           <a:p>
-            <a:fld id="{F9244783-C41D-4671-A229-B0BD6A045E06}" type="slidenum">
+            <a:fld id="{FC503628-06C6-4F9A-8215-C2676873903A}" type="slidenum">
               <a:rPr lang="zh-CN" altLang="en-US" smtClean="0"/>
               <a:t>‹#›</a:t>
             </a:fld>
@@ -723,7 +723,7 @@
     </p:spTree>
     <p:extLst>
       <p:ext uri="{BB962C8B-B14F-4D97-AF65-F5344CB8AC3E}">
-        <p14:creationId xmlns:p14="http://schemas.microsoft.com/office/powerpoint/2010/main" val="3871485947"/>
+        <p14:creationId xmlns:p14="http://schemas.microsoft.com/office/powerpoint/2010/main" val="3352065750"/>
       </p:ext>
     </p:extLst>
   </p:cSld>
@@ -755,7 +755,7 @@
           <p:cNvPr id="2" name="标题 1">
             <a:extLst>
               <a:ext uri="{FF2B5EF4-FFF2-40B4-BE49-F238E27FC236}">
-                <a16:creationId xmlns:a16="http://schemas.microsoft.com/office/drawing/2014/main" id="{9DED7C28-771E-8AE4-E3BA-68E32F7D95F4}"/>
+                <a16:creationId xmlns:a16="http://schemas.microsoft.com/office/drawing/2014/main" id="{2EDDBDE7-DB46-F748-AC2A-A95512819805}"/>
               </a:ext>
             </a:extLst>
           </p:cNvPr>
@@ -783,7 +783,7 @@
           <p:cNvPr id="3" name="内容占位符 2">
             <a:extLst>
               <a:ext uri="{FF2B5EF4-FFF2-40B4-BE49-F238E27FC236}">
-                <a16:creationId xmlns:a16="http://schemas.microsoft.com/office/drawing/2014/main" id="{5EBC4083-0221-FA65-9D69-4C70922FB3BC}"/>
+                <a16:creationId xmlns:a16="http://schemas.microsoft.com/office/drawing/2014/main" id="{17CC163E-87E3-3825-951F-FB7476DE67FF}"/>
               </a:ext>
             </a:extLst>
           </p:cNvPr>
@@ -840,7 +840,7 @@
           <p:cNvPr id="4" name="日期占位符 3">
             <a:extLst>
               <a:ext uri="{FF2B5EF4-FFF2-40B4-BE49-F238E27FC236}">
-                <a16:creationId xmlns:a16="http://schemas.microsoft.com/office/drawing/2014/main" id="{C54AAF20-21C8-C17C-3234-5A7B2824463B}"/>
+                <a16:creationId xmlns:a16="http://schemas.microsoft.com/office/drawing/2014/main" id="{8E3674CF-CB4E-1F5D-2294-C374760D15A7}"/>
               </a:ext>
             </a:extLst>
           </p:cNvPr>
@@ -856,7 +856,7 @@
           <a:bodyPr/>
           <a:lstStyle/>
           <a:p>
-            <a:fld id="{1CE7D615-85F5-429B-8577-999235A7B6A7}" type="datetimeFigureOut">
+            <a:fld id="{9787D52B-CC3A-4924-A647-BDECEF1A379F}" type="datetimeFigureOut">
               <a:rPr lang="zh-CN" altLang="en-US" smtClean="0"/>
               <a:t>2024/3/10</a:t>
             </a:fld>
@@ -869,7 +869,7 @@
           <p:cNvPr id="5" name="页脚占位符 4">
             <a:extLst>
               <a:ext uri="{FF2B5EF4-FFF2-40B4-BE49-F238E27FC236}">
-                <a16:creationId xmlns:a16="http://schemas.microsoft.com/office/drawing/2014/main" id="{19F23D5E-86C3-14AB-44E6-0E0D9366BECF}"/>
+                <a16:creationId xmlns:a16="http://schemas.microsoft.com/office/drawing/2014/main" id="{75A04502-A4CD-22E9-3CF1-8176B571D781}"/>
               </a:ext>
             </a:extLst>
           </p:cNvPr>
@@ -894,7 +894,7 @@
           <p:cNvPr id="6" name="灯片编号占位符 5">
             <a:extLst>
               <a:ext uri="{FF2B5EF4-FFF2-40B4-BE49-F238E27FC236}">
-                <a16:creationId xmlns:a16="http://schemas.microsoft.com/office/drawing/2014/main" id="{25D0EC9D-0BCD-E3BA-E7B0-6A060E49BAEE}"/>
+                <a16:creationId xmlns:a16="http://schemas.microsoft.com/office/drawing/2014/main" id="{BF6B91AD-AD2C-3243-CB68-E2FD80A86F48}"/>
               </a:ext>
             </a:extLst>
           </p:cNvPr>
@@ -910,7 +910,7 @@
           <a:bodyPr/>
           <a:lstStyle/>
           <a:p>
-            <a:fld id="{F9244783-C41D-4671-A229-B0BD6A045E06}" type="slidenum">
+            <a:fld id="{FC503628-06C6-4F9A-8215-C2676873903A}" type="slidenum">
               <a:rPr lang="zh-CN" altLang="en-US" smtClean="0"/>
               <a:t>‹#›</a:t>
             </a:fld>
@@ -921,7 +921,7 @@
     </p:spTree>
     <p:extLst>
       <p:ext uri="{BB962C8B-B14F-4D97-AF65-F5344CB8AC3E}">
-        <p14:creationId xmlns:p14="http://schemas.microsoft.com/office/powerpoint/2010/main" val="3970187611"/>
+        <p14:creationId xmlns:p14="http://schemas.microsoft.com/office/powerpoint/2010/main" val="694265781"/>
       </p:ext>
     </p:extLst>
   </p:cSld>
@@ -953,7 +953,7 @@
           <p:cNvPr id="2" name="标题 1">
             <a:extLst>
               <a:ext uri="{FF2B5EF4-FFF2-40B4-BE49-F238E27FC236}">
-                <a16:creationId xmlns:a16="http://schemas.microsoft.com/office/drawing/2014/main" id="{AF0EF097-F54D-EFE9-B751-983663D42C13}"/>
+                <a16:creationId xmlns:a16="http://schemas.microsoft.com/office/drawing/2014/main" id="{687F6A4A-7D59-DEFF-68D4-E6184F97852D}"/>
               </a:ext>
             </a:extLst>
           </p:cNvPr>
@@ -990,7 +990,7 @@
           <p:cNvPr id="3" name="文本占位符 2">
             <a:extLst>
               <a:ext uri="{FF2B5EF4-FFF2-40B4-BE49-F238E27FC236}">
-                <a16:creationId xmlns:a16="http://schemas.microsoft.com/office/drawing/2014/main" id="{BF3E28C4-5B2A-8664-A693-4977D82C9AD2}"/>
+                <a16:creationId xmlns:a16="http://schemas.microsoft.com/office/drawing/2014/main" id="{ABFDDB6D-1774-FC73-0879-197D10AA3807}"/>
               </a:ext>
             </a:extLst>
           </p:cNvPr>
@@ -1115,7 +1115,7 @@
           <p:cNvPr id="4" name="日期占位符 3">
             <a:extLst>
               <a:ext uri="{FF2B5EF4-FFF2-40B4-BE49-F238E27FC236}">
-                <a16:creationId xmlns:a16="http://schemas.microsoft.com/office/drawing/2014/main" id="{818BF7EF-5A50-3A0F-9E40-E8C0A4CB3E04}"/>
+                <a16:creationId xmlns:a16="http://schemas.microsoft.com/office/drawing/2014/main" id="{1DE1726F-E6AC-4BED-8B28-143CAA9D04F0}"/>
               </a:ext>
             </a:extLst>
           </p:cNvPr>
@@ -1131,7 +1131,7 @@
           <a:bodyPr/>
           <a:lstStyle/>
           <a:p>
-            <a:fld id="{1CE7D615-85F5-429B-8577-999235A7B6A7}" type="datetimeFigureOut">
+            <a:fld id="{9787D52B-CC3A-4924-A647-BDECEF1A379F}" type="datetimeFigureOut">
               <a:rPr lang="zh-CN" altLang="en-US" smtClean="0"/>
               <a:t>2024/3/10</a:t>
             </a:fld>
@@ -1144,7 +1144,7 @@
           <p:cNvPr id="5" name="页脚占位符 4">
             <a:extLst>
               <a:ext uri="{FF2B5EF4-FFF2-40B4-BE49-F238E27FC236}">
-                <a16:creationId xmlns:a16="http://schemas.microsoft.com/office/drawing/2014/main" id="{CBB7F2CC-B38A-7181-9AE7-1A5D512E227B}"/>
+                <a16:creationId xmlns:a16="http://schemas.microsoft.com/office/drawing/2014/main" id="{47BE880F-4886-0E2B-5F3B-44AA60622D36}"/>
               </a:ext>
             </a:extLst>
           </p:cNvPr>
@@ -1169,7 +1169,7 @@
           <p:cNvPr id="6" name="灯片编号占位符 5">
             <a:extLst>
               <a:ext uri="{FF2B5EF4-FFF2-40B4-BE49-F238E27FC236}">
-                <a16:creationId xmlns:a16="http://schemas.microsoft.com/office/drawing/2014/main" id="{F0C3B7B4-B76A-829F-431B-6D1F95EED694}"/>
+                <a16:creationId xmlns:a16="http://schemas.microsoft.com/office/drawing/2014/main" id="{BE777468-774C-15A7-6AB3-35ADAD608CF0}"/>
               </a:ext>
             </a:extLst>
           </p:cNvPr>
@@ -1185,7 +1185,7 @@
           <a:bodyPr/>
           <a:lstStyle/>
           <a:p>
-            <a:fld id="{F9244783-C41D-4671-A229-B0BD6A045E06}" type="slidenum">
+            <a:fld id="{FC503628-06C6-4F9A-8215-C2676873903A}" type="slidenum">
               <a:rPr lang="zh-CN" altLang="en-US" smtClean="0"/>
               <a:t>‹#›</a:t>
             </a:fld>
@@ -1196,7 +1196,7 @@
     </p:spTree>
     <p:extLst>
       <p:ext uri="{BB962C8B-B14F-4D97-AF65-F5344CB8AC3E}">
-        <p14:creationId xmlns:p14="http://schemas.microsoft.com/office/powerpoint/2010/main" val="3780349492"/>
+        <p14:creationId xmlns:p14="http://schemas.microsoft.com/office/powerpoint/2010/main" val="2424360063"/>
       </p:ext>
     </p:extLst>
   </p:cSld>
@@ -1228,7 +1228,7 @@
           <p:cNvPr id="2" name="标题 1">
             <a:extLst>
               <a:ext uri="{FF2B5EF4-FFF2-40B4-BE49-F238E27FC236}">
-                <a16:creationId xmlns:a16="http://schemas.microsoft.com/office/drawing/2014/main" id="{A470C669-53D3-7E96-C4D1-CC08BA9BA9D6}"/>
+                <a16:creationId xmlns:a16="http://schemas.microsoft.com/office/drawing/2014/main" id="{B55A9DAC-EA24-A449-0C83-EAE45B8B0017}"/>
               </a:ext>
             </a:extLst>
           </p:cNvPr>
@@ -1256,7 +1256,7 @@
           <p:cNvPr id="3" name="内容占位符 2">
             <a:extLst>
               <a:ext uri="{FF2B5EF4-FFF2-40B4-BE49-F238E27FC236}">
-                <a16:creationId xmlns:a16="http://schemas.microsoft.com/office/drawing/2014/main" id="{F6C924BE-54EE-E8B2-56DF-BF1A8B42350E}"/>
+                <a16:creationId xmlns:a16="http://schemas.microsoft.com/office/drawing/2014/main" id="{5C212CC0-0718-C8F9-84E5-AAD386988DF1}"/>
               </a:ext>
             </a:extLst>
           </p:cNvPr>
@@ -1318,7 +1318,7 @@
           <p:cNvPr id="4" name="内容占位符 3">
             <a:extLst>
               <a:ext uri="{FF2B5EF4-FFF2-40B4-BE49-F238E27FC236}">
-                <a16:creationId xmlns:a16="http://schemas.microsoft.com/office/drawing/2014/main" id="{D9DC8BFD-901F-941D-8618-75B5C0ACF71F}"/>
+                <a16:creationId xmlns:a16="http://schemas.microsoft.com/office/drawing/2014/main" id="{2F8B26A7-0339-C565-48A8-3FEF355ACEBC}"/>
               </a:ext>
             </a:extLst>
           </p:cNvPr>
@@ -1380,7 +1380,7 @@
           <p:cNvPr id="5" name="日期占位符 4">
             <a:extLst>
               <a:ext uri="{FF2B5EF4-FFF2-40B4-BE49-F238E27FC236}">
-                <a16:creationId xmlns:a16="http://schemas.microsoft.com/office/drawing/2014/main" id="{CA1C94C9-DAB4-4AA7-E0B3-9301C5B8CBD7}"/>
+                <a16:creationId xmlns:a16="http://schemas.microsoft.com/office/drawing/2014/main" id="{69660726-FAFC-B73E-EEC9-48D9AE3578EA}"/>
               </a:ext>
             </a:extLst>
           </p:cNvPr>
@@ -1396,7 +1396,7 @@
           <a:bodyPr/>
           <a:lstStyle/>
           <a:p>
-            <a:fld id="{1CE7D615-85F5-429B-8577-999235A7B6A7}" type="datetimeFigureOut">
+            <a:fld id="{9787D52B-CC3A-4924-A647-BDECEF1A379F}" type="datetimeFigureOut">
               <a:rPr lang="zh-CN" altLang="en-US" smtClean="0"/>
               <a:t>2024/3/10</a:t>
             </a:fld>
@@ -1409,7 +1409,7 @@
           <p:cNvPr id="6" name="页脚占位符 5">
             <a:extLst>
               <a:ext uri="{FF2B5EF4-FFF2-40B4-BE49-F238E27FC236}">
-                <a16:creationId xmlns:a16="http://schemas.microsoft.com/office/drawing/2014/main" id="{3C2B4ED0-F4F4-F7B2-FFF8-7ABC13977C73}"/>
+                <a16:creationId xmlns:a16="http://schemas.microsoft.com/office/drawing/2014/main" id="{FF6EA21F-2B52-B115-65AD-483C8F5972E1}"/>
               </a:ext>
             </a:extLst>
           </p:cNvPr>
@@ -1434,7 +1434,7 @@
           <p:cNvPr id="7" name="灯片编号占位符 6">
             <a:extLst>
               <a:ext uri="{FF2B5EF4-FFF2-40B4-BE49-F238E27FC236}">
-                <a16:creationId xmlns:a16="http://schemas.microsoft.com/office/drawing/2014/main" id="{BD9FADC6-1971-C80F-9461-9EF9716C1002}"/>
+                <a16:creationId xmlns:a16="http://schemas.microsoft.com/office/drawing/2014/main" id="{DA023441-E704-CA31-50C7-06084DDDC48D}"/>
               </a:ext>
             </a:extLst>
           </p:cNvPr>
@@ -1450,7 +1450,7 @@
           <a:bodyPr/>
           <a:lstStyle/>
           <a:p>
-            <a:fld id="{F9244783-C41D-4671-A229-B0BD6A045E06}" type="slidenum">
+            <a:fld id="{FC503628-06C6-4F9A-8215-C2676873903A}" type="slidenum">
               <a:rPr lang="zh-CN" altLang="en-US" smtClean="0"/>
               <a:t>‹#›</a:t>
             </a:fld>
@@ -1461,7 +1461,7 @@
     </p:spTree>
     <p:extLst>
       <p:ext uri="{BB962C8B-B14F-4D97-AF65-F5344CB8AC3E}">
-        <p14:creationId xmlns:p14="http://schemas.microsoft.com/office/powerpoint/2010/main" val="1544094538"/>
+        <p14:creationId xmlns:p14="http://schemas.microsoft.com/office/powerpoint/2010/main" val="4222879096"/>
       </p:ext>
     </p:extLst>
   </p:cSld>
@@ -1493,7 +1493,7 @@
           <p:cNvPr id="2" name="标题 1">
             <a:extLst>
               <a:ext uri="{FF2B5EF4-FFF2-40B4-BE49-F238E27FC236}">
-                <a16:creationId xmlns:a16="http://schemas.microsoft.com/office/drawing/2014/main" id="{0A3E44E3-E824-C13C-AC4C-44B5B9CDB976}"/>
+                <a16:creationId xmlns:a16="http://schemas.microsoft.com/office/drawing/2014/main" id="{B2AACC95-35E6-BDCA-9443-9F030B72229B}"/>
               </a:ext>
             </a:extLst>
           </p:cNvPr>
@@ -1526,7 +1526,7 @@
           <p:cNvPr id="3" name="文本占位符 2">
             <a:extLst>
               <a:ext uri="{FF2B5EF4-FFF2-40B4-BE49-F238E27FC236}">
-                <a16:creationId xmlns:a16="http://schemas.microsoft.com/office/drawing/2014/main" id="{9F188694-69B7-6FF6-0B5C-F367395C3612}"/>
+                <a16:creationId xmlns:a16="http://schemas.microsoft.com/office/drawing/2014/main" id="{AB59BAE9-2C1F-3703-3CA2-1ECAB8D29DB4}"/>
               </a:ext>
             </a:extLst>
           </p:cNvPr>
@@ -1597,7 +1597,7 @@
           <p:cNvPr id="4" name="内容占位符 3">
             <a:extLst>
               <a:ext uri="{FF2B5EF4-FFF2-40B4-BE49-F238E27FC236}">
-                <a16:creationId xmlns:a16="http://schemas.microsoft.com/office/drawing/2014/main" id="{1686DD35-DF32-452A-673B-C20F21CA08EB}"/>
+                <a16:creationId xmlns:a16="http://schemas.microsoft.com/office/drawing/2014/main" id="{25D59BDD-7F1C-D994-FFA2-555F6E93DD84}"/>
               </a:ext>
             </a:extLst>
           </p:cNvPr>
@@ -1659,7 +1659,7 @@
           <p:cNvPr id="5" name="文本占位符 4">
             <a:extLst>
               <a:ext uri="{FF2B5EF4-FFF2-40B4-BE49-F238E27FC236}">
-                <a16:creationId xmlns:a16="http://schemas.microsoft.com/office/drawing/2014/main" id="{4DB0452D-F54D-086A-84DD-A514C9DAB0A3}"/>
+                <a16:creationId xmlns:a16="http://schemas.microsoft.com/office/drawing/2014/main" id="{332FD242-D0BB-E0BD-B10C-7D5842B598CB}"/>
               </a:ext>
             </a:extLst>
           </p:cNvPr>
@@ -1730,7 +1730,7 @@
           <p:cNvPr id="6" name="内容占位符 5">
             <a:extLst>
               <a:ext uri="{FF2B5EF4-FFF2-40B4-BE49-F238E27FC236}">
-                <a16:creationId xmlns:a16="http://schemas.microsoft.com/office/drawing/2014/main" id="{0CF51EFB-A914-617C-9F3A-5CA5419D1B88}"/>
+                <a16:creationId xmlns:a16="http://schemas.microsoft.com/office/drawing/2014/main" id="{E7E07F5F-5B06-B5C7-B85E-D5ABDC71DADD}"/>
               </a:ext>
             </a:extLst>
           </p:cNvPr>
@@ -1792,7 +1792,7 @@
           <p:cNvPr id="7" name="日期占位符 6">
             <a:extLst>
               <a:ext uri="{FF2B5EF4-FFF2-40B4-BE49-F238E27FC236}">
-                <a16:creationId xmlns:a16="http://schemas.microsoft.com/office/drawing/2014/main" id="{9E01B09F-6676-CBCA-AB1E-BA9DF32782EA}"/>
+                <a16:creationId xmlns:a16="http://schemas.microsoft.com/office/drawing/2014/main" id="{9C23F25C-1FFE-7D46-056A-A7A3D0E12362}"/>
               </a:ext>
             </a:extLst>
           </p:cNvPr>
@@ -1808,7 +1808,7 @@
           <a:bodyPr/>
           <a:lstStyle/>
           <a:p>
-            <a:fld id="{1CE7D615-85F5-429B-8577-999235A7B6A7}" type="datetimeFigureOut">
+            <a:fld id="{9787D52B-CC3A-4924-A647-BDECEF1A379F}" type="datetimeFigureOut">
               <a:rPr lang="zh-CN" altLang="en-US" smtClean="0"/>
               <a:t>2024/3/10</a:t>
             </a:fld>
@@ -1821,7 +1821,7 @@
           <p:cNvPr id="8" name="页脚占位符 7">
             <a:extLst>
               <a:ext uri="{FF2B5EF4-FFF2-40B4-BE49-F238E27FC236}">
-                <a16:creationId xmlns:a16="http://schemas.microsoft.com/office/drawing/2014/main" id="{CC9A743B-AFEA-F288-E872-26E84A221296}"/>
+                <a16:creationId xmlns:a16="http://schemas.microsoft.com/office/drawing/2014/main" id="{A905AD7F-9D3A-0626-B1E8-402E508DAD43}"/>
               </a:ext>
             </a:extLst>
           </p:cNvPr>
@@ -1846,7 +1846,7 @@
           <p:cNvPr id="9" name="灯片编号占位符 8">
             <a:extLst>
               <a:ext uri="{FF2B5EF4-FFF2-40B4-BE49-F238E27FC236}">
-                <a16:creationId xmlns:a16="http://schemas.microsoft.com/office/drawing/2014/main" id="{CB723945-8916-7CDB-EB65-9796BB8F2E7B}"/>
+                <a16:creationId xmlns:a16="http://schemas.microsoft.com/office/drawing/2014/main" id="{F17A4B55-2177-F22A-1519-9FE5C640AF98}"/>
               </a:ext>
             </a:extLst>
           </p:cNvPr>
@@ -1862,7 +1862,7 @@
           <a:bodyPr/>
           <a:lstStyle/>
           <a:p>
-            <a:fld id="{F9244783-C41D-4671-A229-B0BD6A045E06}" type="slidenum">
+            <a:fld id="{FC503628-06C6-4F9A-8215-C2676873903A}" type="slidenum">
               <a:rPr lang="zh-CN" altLang="en-US" smtClean="0"/>
               <a:t>‹#›</a:t>
             </a:fld>
@@ -1873,7 +1873,7 @@
     </p:spTree>
     <p:extLst>
       <p:ext uri="{BB962C8B-B14F-4D97-AF65-F5344CB8AC3E}">
-        <p14:creationId xmlns:p14="http://schemas.microsoft.com/office/powerpoint/2010/main" val="2901417118"/>
+        <p14:creationId xmlns:p14="http://schemas.microsoft.com/office/powerpoint/2010/main" val="264650699"/>
       </p:ext>
     </p:extLst>
   </p:cSld>
@@ -1905,7 +1905,7 @@
           <p:cNvPr id="2" name="标题 1">
             <a:extLst>
               <a:ext uri="{FF2B5EF4-FFF2-40B4-BE49-F238E27FC236}">
-                <a16:creationId xmlns:a16="http://schemas.microsoft.com/office/drawing/2014/main" id="{2312E39B-FB8D-EC6C-83BB-38C4FDD81763}"/>
+                <a16:creationId xmlns:a16="http://schemas.microsoft.com/office/drawing/2014/main" id="{DCE19ED7-7F23-4DF7-26F2-C98FB9E5C30D}"/>
               </a:ext>
             </a:extLst>
           </p:cNvPr>
@@ -1933,7 +1933,7 @@
           <p:cNvPr id="3" name="日期占位符 2">
             <a:extLst>
               <a:ext uri="{FF2B5EF4-FFF2-40B4-BE49-F238E27FC236}">
-                <a16:creationId xmlns:a16="http://schemas.microsoft.com/office/drawing/2014/main" id="{DC9F9C42-D3CA-7821-4208-CC9091A5E151}"/>
+                <a16:creationId xmlns:a16="http://schemas.microsoft.com/office/drawing/2014/main" id="{645DA98A-4BF9-76F2-2E3F-D869BA3FCC1C}"/>
               </a:ext>
             </a:extLst>
           </p:cNvPr>
@@ -1949,7 +1949,7 @@
           <a:bodyPr/>
           <a:lstStyle/>
           <a:p>
-            <a:fld id="{1CE7D615-85F5-429B-8577-999235A7B6A7}" type="datetimeFigureOut">
+            <a:fld id="{9787D52B-CC3A-4924-A647-BDECEF1A379F}" type="datetimeFigureOut">
               <a:rPr lang="zh-CN" altLang="en-US" smtClean="0"/>
               <a:t>2024/3/10</a:t>
             </a:fld>
@@ -1962,7 +1962,7 @@
           <p:cNvPr id="4" name="页脚占位符 3">
             <a:extLst>
               <a:ext uri="{FF2B5EF4-FFF2-40B4-BE49-F238E27FC236}">
-                <a16:creationId xmlns:a16="http://schemas.microsoft.com/office/drawing/2014/main" id="{F98FA8C1-862E-696B-0B6B-AD44BF01D270}"/>
+                <a16:creationId xmlns:a16="http://schemas.microsoft.com/office/drawing/2014/main" id="{3D8EB9B3-915E-8D30-E77A-E06B02C7655D}"/>
               </a:ext>
             </a:extLst>
           </p:cNvPr>
@@ -1987,7 +1987,7 @@
           <p:cNvPr id="5" name="灯片编号占位符 4">
             <a:extLst>
               <a:ext uri="{FF2B5EF4-FFF2-40B4-BE49-F238E27FC236}">
-                <a16:creationId xmlns:a16="http://schemas.microsoft.com/office/drawing/2014/main" id="{F79208F2-9D73-DCD1-0FC8-BD1E2A083F64}"/>
+                <a16:creationId xmlns:a16="http://schemas.microsoft.com/office/drawing/2014/main" id="{EA5020EF-9DAB-FB7C-6B6E-058B2589B8C9}"/>
               </a:ext>
             </a:extLst>
           </p:cNvPr>
@@ -2003,7 +2003,7 @@
           <a:bodyPr/>
           <a:lstStyle/>
           <a:p>
-            <a:fld id="{F9244783-C41D-4671-A229-B0BD6A045E06}" type="slidenum">
+            <a:fld id="{FC503628-06C6-4F9A-8215-C2676873903A}" type="slidenum">
               <a:rPr lang="zh-CN" altLang="en-US" smtClean="0"/>
               <a:t>‹#›</a:t>
             </a:fld>
@@ -2014,7 +2014,7 @@
     </p:spTree>
     <p:extLst>
       <p:ext uri="{BB962C8B-B14F-4D97-AF65-F5344CB8AC3E}">
-        <p14:creationId xmlns:p14="http://schemas.microsoft.com/office/powerpoint/2010/main" val="223120865"/>
+        <p14:creationId xmlns:p14="http://schemas.microsoft.com/office/powerpoint/2010/main" val="383909557"/>
       </p:ext>
     </p:extLst>
   </p:cSld>
@@ -2046,7 +2046,7 @@
           <p:cNvPr id="2" name="日期占位符 1">
             <a:extLst>
               <a:ext uri="{FF2B5EF4-FFF2-40B4-BE49-F238E27FC236}">
-                <a16:creationId xmlns:a16="http://schemas.microsoft.com/office/drawing/2014/main" id="{8CA6FC4E-05A1-0DC2-6435-CF843A4A0896}"/>
+                <a16:creationId xmlns:a16="http://schemas.microsoft.com/office/drawing/2014/main" id="{5215D009-39FB-159D-D8A1-CBADF7D1972E}"/>
               </a:ext>
             </a:extLst>
           </p:cNvPr>
@@ -2062,7 +2062,7 @@
           <a:bodyPr/>
           <a:lstStyle/>
           <a:p>
-            <a:fld id="{1CE7D615-85F5-429B-8577-999235A7B6A7}" type="datetimeFigureOut">
+            <a:fld id="{9787D52B-CC3A-4924-A647-BDECEF1A379F}" type="datetimeFigureOut">
               <a:rPr lang="zh-CN" altLang="en-US" smtClean="0"/>
               <a:t>2024/3/10</a:t>
             </a:fld>
@@ -2075,7 +2075,7 @@
           <p:cNvPr id="3" name="页脚占位符 2">
             <a:extLst>
               <a:ext uri="{FF2B5EF4-FFF2-40B4-BE49-F238E27FC236}">
-                <a16:creationId xmlns:a16="http://schemas.microsoft.com/office/drawing/2014/main" id="{5006C2E4-DDDE-9806-B005-CCE6DF2B5940}"/>
+                <a16:creationId xmlns:a16="http://schemas.microsoft.com/office/drawing/2014/main" id="{80916C52-A33E-BE81-3C47-A8B313F8C71C}"/>
               </a:ext>
             </a:extLst>
           </p:cNvPr>
@@ -2100,7 +2100,7 @@
           <p:cNvPr id="4" name="灯片编号占位符 3">
             <a:extLst>
               <a:ext uri="{FF2B5EF4-FFF2-40B4-BE49-F238E27FC236}">
-                <a16:creationId xmlns:a16="http://schemas.microsoft.com/office/drawing/2014/main" id="{A4EB3C2D-74CE-E584-0972-7B92EADFB030}"/>
+                <a16:creationId xmlns:a16="http://schemas.microsoft.com/office/drawing/2014/main" id="{5F46E932-36C8-4A2D-648E-FBEC53A5117F}"/>
               </a:ext>
             </a:extLst>
           </p:cNvPr>
@@ -2116,7 +2116,7 @@
           <a:bodyPr/>
           <a:lstStyle/>
           <a:p>
-            <a:fld id="{F9244783-C41D-4671-A229-B0BD6A045E06}" type="slidenum">
+            <a:fld id="{FC503628-06C6-4F9A-8215-C2676873903A}" type="slidenum">
               <a:rPr lang="zh-CN" altLang="en-US" smtClean="0"/>
               <a:t>‹#›</a:t>
             </a:fld>
@@ -2127,7 +2127,7 @@
     </p:spTree>
     <p:extLst>
       <p:ext uri="{BB962C8B-B14F-4D97-AF65-F5344CB8AC3E}">
-        <p14:creationId xmlns:p14="http://schemas.microsoft.com/office/powerpoint/2010/main" val="1528744022"/>
+        <p14:creationId xmlns:p14="http://schemas.microsoft.com/office/powerpoint/2010/main" val="245357310"/>
       </p:ext>
     </p:extLst>
   </p:cSld>
@@ -2159,7 +2159,7 @@
           <p:cNvPr id="2" name="标题 1">
             <a:extLst>
               <a:ext uri="{FF2B5EF4-FFF2-40B4-BE49-F238E27FC236}">
-                <a16:creationId xmlns:a16="http://schemas.microsoft.com/office/drawing/2014/main" id="{9CD81D46-2C23-2A1E-3B8D-2DFE579EC2FE}"/>
+                <a16:creationId xmlns:a16="http://schemas.microsoft.com/office/drawing/2014/main" id="{57FCCBCD-7D5F-AC81-363C-A314DEF2A67D}"/>
               </a:ext>
             </a:extLst>
           </p:cNvPr>
@@ -2196,7 +2196,7 @@
           <p:cNvPr id="3" name="内容占位符 2">
             <a:extLst>
               <a:ext uri="{FF2B5EF4-FFF2-40B4-BE49-F238E27FC236}">
-                <a16:creationId xmlns:a16="http://schemas.microsoft.com/office/drawing/2014/main" id="{09598F4F-A91B-57F7-EF21-3566F41D59AE}"/>
+                <a16:creationId xmlns:a16="http://schemas.microsoft.com/office/drawing/2014/main" id="{8782EE92-0734-22BA-6D92-5012424D1BBC}"/>
               </a:ext>
             </a:extLst>
           </p:cNvPr>
@@ -2286,7 +2286,7 @@
           <p:cNvPr id="4" name="文本占位符 3">
             <a:extLst>
               <a:ext uri="{FF2B5EF4-FFF2-40B4-BE49-F238E27FC236}">
-                <a16:creationId xmlns:a16="http://schemas.microsoft.com/office/drawing/2014/main" id="{D841AC63-28BA-BD9C-1DBE-5EAC2DED5FBC}"/>
+                <a16:creationId xmlns:a16="http://schemas.microsoft.com/office/drawing/2014/main" id="{219C2DC5-4018-7E29-E0CD-02F84B757E12}"/>
               </a:ext>
             </a:extLst>
           </p:cNvPr>
@@ -2357,7 +2357,7 @@
           <p:cNvPr id="5" name="日期占位符 4">
             <a:extLst>
               <a:ext uri="{FF2B5EF4-FFF2-40B4-BE49-F238E27FC236}">
-                <a16:creationId xmlns:a16="http://schemas.microsoft.com/office/drawing/2014/main" id="{C1CF662C-05B9-6FA7-A4F6-353E5BB043AD}"/>
+                <a16:creationId xmlns:a16="http://schemas.microsoft.com/office/drawing/2014/main" id="{61E5AEA8-B769-B352-3F09-B6BE13320240}"/>
               </a:ext>
             </a:extLst>
           </p:cNvPr>
@@ -2373,7 +2373,7 @@
           <a:bodyPr/>
           <a:lstStyle/>
           <a:p>
-            <a:fld id="{1CE7D615-85F5-429B-8577-999235A7B6A7}" type="datetimeFigureOut">
+            <a:fld id="{9787D52B-CC3A-4924-A647-BDECEF1A379F}" type="datetimeFigureOut">
               <a:rPr lang="zh-CN" altLang="en-US" smtClean="0"/>
               <a:t>2024/3/10</a:t>
             </a:fld>
@@ -2386,7 +2386,7 @@
           <p:cNvPr id="6" name="页脚占位符 5">
             <a:extLst>
               <a:ext uri="{FF2B5EF4-FFF2-40B4-BE49-F238E27FC236}">
-                <a16:creationId xmlns:a16="http://schemas.microsoft.com/office/drawing/2014/main" id="{C9A198FC-BA9B-608A-E1CB-D070EE697CDE}"/>
+                <a16:creationId xmlns:a16="http://schemas.microsoft.com/office/drawing/2014/main" id="{4842D6A1-2ED0-C2A4-73F0-4DDC3E136700}"/>
               </a:ext>
             </a:extLst>
           </p:cNvPr>
@@ -2411,7 +2411,7 @@
           <p:cNvPr id="7" name="灯片编号占位符 6">
             <a:extLst>
               <a:ext uri="{FF2B5EF4-FFF2-40B4-BE49-F238E27FC236}">
-                <a16:creationId xmlns:a16="http://schemas.microsoft.com/office/drawing/2014/main" id="{C94C6C4F-1877-39C6-665F-66C748CF19EC}"/>
+                <a16:creationId xmlns:a16="http://schemas.microsoft.com/office/drawing/2014/main" id="{82429FD4-452C-4916-07C9-04527184D5D4}"/>
               </a:ext>
             </a:extLst>
           </p:cNvPr>
@@ -2427,7 +2427,7 @@
           <a:bodyPr/>
           <a:lstStyle/>
           <a:p>
-            <a:fld id="{F9244783-C41D-4671-A229-B0BD6A045E06}" type="slidenum">
+            <a:fld id="{FC503628-06C6-4F9A-8215-C2676873903A}" type="slidenum">
               <a:rPr lang="zh-CN" altLang="en-US" smtClean="0"/>
               <a:t>‹#›</a:t>
             </a:fld>
@@ -2438,7 +2438,7 @@
     </p:spTree>
     <p:extLst>
       <p:ext uri="{BB962C8B-B14F-4D97-AF65-F5344CB8AC3E}">
-        <p14:creationId xmlns:p14="http://schemas.microsoft.com/office/powerpoint/2010/main" val="1182829104"/>
+        <p14:creationId xmlns:p14="http://schemas.microsoft.com/office/powerpoint/2010/main" val="1059551217"/>
       </p:ext>
     </p:extLst>
   </p:cSld>
@@ -2470,7 +2470,7 @@
           <p:cNvPr id="2" name="标题 1">
             <a:extLst>
               <a:ext uri="{FF2B5EF4-FFF2-40B4-BE49-F238E27FC236}">
-                <a16:creationId xmlns:a16="http://schemas.microsoft.com/office/drawing/2014/main" id="{06FF884F-A04C-0048-00BA-DAFCA39E6DF4}"/>
+                <a16:creationId xmlns:a16="http://schemas.microsoft.com/office/drawing/2014/main" id="{C58E4005-AFBB-DDF5-57F6-4EAF75F005EC}"/>
               </a:ext>
             </a:extLst>
           </p:cNvPr>
@@ -2507,7 +2507,7 @@
           <p:cNvPr id="3" name="图片占位符 2">
             <a:extLst>
               <a:ext uri="{FF2B5EF4-FFF2-40B4-BE49-F238E27FC236}">
-                <a16:creationId xmlns:a16="http://schemas.microsoft.com/office/drawing/2014/main" id="{50EA057C-91D1-B697-676F-E891978E8146}"/>
+                <a16:creationId xmlns:a16="http://schemas.microsoft.com/office/drawing/2014/main" id="{3DCAA8E3-1478-B8EC-4E50-92DD815A81D8}"/>
               </a:ext>
             </a:extLst>
           </p:cNvPr>
@@ -2574,7 +2574,7 @@
           <p:cNvPr id="4" name="文本占位符 3">
             <a:extLst>
               <a:ext uri="{FF2B5EF4-FFF2-40B4-BE49-F238E27FC236}">
-                <a16:creationId xmlns:a16="http://schemas.microsoft.com/office/drawing/2014/main" id="{9674D296-3CFB-E35C-AD8F-2B681B4E5F3E}"/>
+                <a16:creationId xmlns:a16="http://schemas.microsoft.com/office/drawing/2014/main" id="{BB510095-817E-90EE-D1A7-FE6FEFBC833F}"/>
               </a:ext>
             </a:extLst>
           </p:cNvPr>
@@ -2645,7 +2645,7 @@
           <p:cNvPr id="5" name="日期占位符 4">
             <a:extLst>
               <a:ext uri="{FF2B5EF4-FFF2-40B4-BE49-F238E27FC236}">
-                <a16:creationId xmlns:a16="http://schemas.microsoft.com/office/drawing/2014/main" id="{A92CAB66-EA2C-898D-0256-4556EA13A9C9}"/>
+                <a16:creationId xmlns:a16="http://schemas.microsoft.com/office/drawing/2014/main" id="{21A987E6-E58E-31CB-FCE4-36B091460BAA}"/>
               </a:ext>
             </a:extLst>
           </p:cNvPr>
@@ -2661,7 +2661,7 @@
           <a:bodyPr/>
           <a:lstStyle/>
           <a:p>
-            <a:fld id="{1CE7D615-85F5-429B-8577-999235A7B6A7}" type="datetimeFigureOut">
+            <a:fld id="{9787D52B-CC3A-4924-A647-BDECEF1A379F}" type="datetimeFigureOut">
               <a:rPr lang="zh-CN" altLang="en-US" smtClean="0"/>
               <a:t>2024/3/10</a:t>
             </a:fld>
@@ -2674,7 +2674,7 @@
           <p:cNvPr id="6" name="页脚占位符 5">
             <a:extLst>
               <a:ext uri="{FF2B5EF4-FFF2-40B4-BE49-F238E27FC236}">
-                <a16:creationId xmlns:a16="http://schemas.microsoft.com/office/drawing/2014/main" id="{54821BF3-CA24-8A43-68C4-3B8779C01AAC}"/>
+                <a16:creationId xmlns:a16="http://schemas.microsoft.com/office/drawing/2014/main" id="{0E181D17-1665-A1DC-A22C-B7F1F4019C09}"/>
               </a:ext>
             </a:extLst>
           </p:cNvPr>
@@ -2699,7 +2699,7 @@
           <p:cNvPr id="7" name="灯片编号占位符 6">
             <a:extLst>
               <a:ext uri="{FF2B5EF4-FFF2-40B4-BE49-F238E27FC236}">
-                <a16:creationId xmlns:a16="http://schemas.microsoft.com/office/drawing/2014/main" id="{B1F0B613-9465-7B3C-F11A-A2D2E4FD42DB}"/>
+                <a16:creationId xmlns:a16="http://schemas.microsoft.com/office/drawing/2014/main" id="{3F289840-D5B9-0721-A7AC-6F0B79F5FE8A}"/>
               </a:ext>
             </a:extLst>
           </p:cNvPr>
@@ -2715,7 +2715,7 @@
           <a:bodyPr/>
           <a:lstStyle/>
           <a:p>
-            <a:fld id="{F9244783-C41D-4671-A229-B0BD6A045E06}" type="slidenum">
+            <a:fld id="{FC503628-06C6-4F9A-8215-C2676873903A}" type="slidenum">
               <a:rPr lang="zh-CN" altLang="en-US" smtClean="0"/>
               <a:t>‹#›</a:t>
             </a:fld>
@@ -2726,7 +2726,7 @@
     </p:spTree>
     <p:extLst>
       <p:ext uri="{BB962C8B-B14F-4D97-AF65-F5344CB8AC3E}">
-        <p14:creationId xmlns:p14="http://schemas.microsoft.com/office/powerpoint/2010/main" val="2429033100"/>
+        <p14:creationId xmlns:p14="http://schemas.microsoft.com/office/powerpoint/2010/main" val="1198888002"/>
       </p:ext>
     </p:extLst>
   </p:cSld>
@@ -2763,7 +2763,7 @@
           <p:cNvPr id="2" name="标题占位符 1">
             <a:extLst>
               <a:ext uri="{FF2B5EF4-FFF2-40B4-BE49-F238E27FC236}">
-                <a16:creationId xmlns:a16="http://schemas.microsoft.com/office/drawing/2014/main" id="{E6C1DB65-143E-C547-7173-CE9BC71744F7}"/>
+                <a16:creationId xmlns:a16="http://schemas.microsoft.com/office/drawing/2014/main" id="{1A64D82E-BBB3-5ABC-EF23-07DD1172C0F1}"/>
               </a:ext>
             </a:extLst>
           </p:cNvPr>
@@ -2801,7 +2801,7 @@
           <p:cNvPr id="3" name="文本占位符 2">
             <a:extLst>
               <a:ext uri="{FF2B5EF4-FFF2-40B4-BE49-F238E27FC236}">
-                <a16:creationId xmlns:a16="http://schemas.microsoft.com/office/drawing/2014/main" id="{68A70A7F-2B4C-5AB4-BFBF-6989FA2A608A}"/>
+                <a16:creationId xmlns:a16="http://schemas.microsoft.com/office/drawing/2014/main" id="{38906CB1-E56D-0DB1-F905-5BB8B08AC3B7}"/>
               </a:ext>
             </a:extLst>
           </p:cNvPr>
@@ -2868,7 +2868,7 @@
           <p:cNvPr id="4" name="日期占位符 3">
             <a:extLst>
               <a:ext uri="{FF2B5EF4-FFF2-40B4-BE49-F238E27FC236}">
-                <a16:creationId xmlns:a16="http://schemas.microsoft.com/office/drawing/2014/main" id="{704F6063-BA07-FFFD-DCDF-A2422C852DA5}"/>
+                <a16:creationId xmlns:a16="http://schemas.microsoft.com/office/drawing/2014/main" id="{4193E602-2FEC-C101-B053-F1EB0CD885C5}"/>
               </a:ext>
             </a:extLst>
           </p:cNvPr>
@@ -2902,7 +2902,7 @@
             </a:lvl1pPr>
           </a:lstStyle>
           <a:p>
-            <a:fld id="{1CE7D615-85F5-429B-8577-999235A7B6A7}" type="datetimeFigureOut">
+            <a:fld id="{9787D52B-CC3A-4924-A647-BDECEF1A379F}" type="datetimeFigureOut">
               <a:rPr lang="zh-CN" altLang="en-US" smtClean="0"/>
               <a:t>2024/3/10</a:t>
             </a:fld>
@@ -2915,7 +2915,7 @@
           <p:cNvPr id="5" name="页脚占位符 4">
             <a:extLst>
               <a:ext uri="{FF2B5EF4-FFF2-40B4-BE49-F238E27FC236}">
-                <a16:creationId xmlns:a16="http://schemas.microsoft.com/office/drawing/2014/main" id="{303F0156-DF94-3DD8-A9EE-F3E6AD7EF483}"/>
+                <a16:creationId xmlns:a16="http://schemas.microsoft.com/office/drawing/2014/main" id="{262247B9-8CA9-5AC5-47E5-EA1A63FB0E55}"/>
               </a:ext>
             </a:extLst>
           </p:cNvPr>
@@ -2958,7 +2958,7 @@
           <p:cNvPr id="6" name="灯片编号占位符 5">
             <a:extLst>
               <a:ext uri="{FF2B5EF4-FFF2-40B4-BE49-F238E27FC236}">
-                <a16:creationId xmlns:a16="http://schemas.microsoft.com/office/drawing/2014/main" id="{C384D3C4-A9B9-E971-2316-CB5A84EB786A}"/>
+                <a16:creationId xmlns:a16="http://schemas.microsoft.com/office/drawing/2014/main" id="{3B50C314-32CB-A65E-8EE6-3752904D509E}"/>
               </a:ext>
             </a:extLst>
           </p:cNvPr>
@@ -2992,7 +2992,7 @@
             </a:lvl1pPr>
           </a:lstStyle>
           <a:p>
-            <a:fld id="{F9244783-C41D-4671-A229-B0BD6A045E06}" type="slidenum">
+            <a:fld id="{FC503628-06C6-4F9A-8215-C2676873903A}" type="slidenum">
               <a:rPr lang="zh-CN" altLang="en-US" smtClean="0"/>
               <a:t>‹#›</a:t>
             </a:fld>
@@ -3003,7 +3003,7 @@
     </p:spTree>
     <p:extLst>
       <p:ext uri="{BB962C8B-B14F-4D97-AF65-F5344CB8AC3E}">
-        <p14:creationId xmlns:p14="http://schemas.microsoft.com/office/powerpoint/2010/main" val="2971908294"/>
+        <p14:creationId xmlns:p14="http://schemas.microsoft.com/office/powerpoint/2010/main" val="3015143106"/>
       </p:ext>
     </p:extLst>
   </p:cSld>
@@ -3323,7 +3323,7 @@
       </p:grpSpPr>
       <p:pic>
         <p:nvPicPr>
-          <p:cNvPr id="1047554" name="Picture 2" descr="1022"/>
+          <p:cNvPr id="1048578" name="Picture 2" descr="1023"/>
           <p:cNvPicPr>
             <a:picLocks noChangeAspect="1" noChangeArrowheads="1"/>
           </p:cNvPicPr>
@@ -3344,8 +3344,8 @@
         </p:blipFill>
         <p:spPr bwMode="auto">
           <a:xfrm>
-            <a:off x="1524000" y="14288"/>
-            <a:ext cx="9124950" cy="6843712"/>
+            <a:off x="1524000" y="1"/>
+            <a:ext cx="9124950" cy="6843713"/>
           </a:xfrm>
           <a:prstGeom prst="rect">
             <a:avLst/>
